--- a/02.HTML_Structure/02.HTML-Structure.pptx
+++ b/02.HTML_Structure/02.HTML-Structure.pptx
@@ -53,7 +53,7 @@
     <p:sldId id="718" r:id="rId41"/>
     <p:sldId id="349" r:id="rId42"/>
     <p:sldId id="401" r:id="rId43"/>
-    <p:sldId id="317" r:id="rId44"/>
+    <p:sldId id="614" r:id="rId44"/>
     <p:sldId id="316" r:id="rId45"/>
     <p:sldId id="493" r:id="rId46"/>
     <p:sldId id="405" r:id="rId47"/>
@@ -222,7 +222,7 @@
           <p14:sldIdLst>
             <p14:sldId id="349"/>
             <p14:sldId id="401"/>
-            <p14:sldId id="317"/>
+            <p14:sldId id="614"/>
             <p14:sldId id="316"/>
             <p14:sldId id="493"/>
             <p14:sldId id="405"/>
@@ -353,7 +353,7 @@
           <a:p>
             <a:fld id="{4E087215-0C8F-4762-A664-737A353EC9A4}" type="datetimeFigureOut">
               <a:rPr lang="bg-BG" smtClean="0"/>
-              <a:t>20.12.2021 г.</a:t>
+              <a:t>27.4.2022 г.</a:t>
             </a:fld>
             <a:endParaRPr lang="bg-BG"/>
           </a:p>
@@ -544,7 +544,7 @@
           <a:p>
             <a:fld id="{72D84649-876A-46C9-8472-14CB09C070D8}" type="datetimeFigureOut">
               <a:rPr lang="en-US" smtClean="0"/>
-              <a:t>12/20/2021</a:t>
+              <a:t>4/27/2022</a:t>
             </a:fld>
             <a:endParaRPr lang="en-US"/>
           </a:p>
@@ -41537,11 +41537,11 @@
       </p:sp>
       <p:pic>
         <p:nvPicPr>
-          <p:cNvPr id="4" name="Picture 3" descr="Logo, company name&#10;&#10;Description automatically generated">
+          <p:cNvPr id="17" name="Picture 16" descr="Graphical user interface, text, application&#10;&#10;Description automatically generated">
             <a:hlinkClick r:id="rId2"/>
             <a:extLst>
               <a:ext uri="{FF2B5EF4-FFF2-40B4-BE49-F238E27FC236}">
-                <a16:creationId xmlns:a16="http://schemas.microsoft.com/office/drawing/2014/main" id="{2939F0F4-3ED6-472B-A433-83EF20E0864C}"/>
+                <a16:creationId xmlns:a16="http://schemas.microsoft.com/office/drawing/2014/main" id="{817217D7-0BF6-4D9E-8E3B-E4C13EC5C3A5}"/>
               </a:ext>
             </a:extLst>
           </p:cNvPr>
@@ -41550,7 +41550,7 @@
           </p:cNvPicPr>
           <p:nvPr/>
         </p:nvPicPr>
-        <p:blipFill>
+        <p:blipFill rotWithShape="1">
           <a:blip r:embed="rId3">
             <a:extLst>
               <a:ext uri="{28A0092B-C50C-407E-A947-70E740481C1C}">
@@ -41558,14 +41558,13 @@
               </a:ext>
             </a:extLst>
           </a:blip>
-          <a:stretch>
-            <a:fillRect/>
-          </a:stretch>
+          <a:srcRect l="8432" t="2384" r="19064" b="23051"/>
+          <a:stretch/>
         </p:blipFill>
         <p:spPr>
           <a:xfrm>
-            <a:off x="235834" y="1379226"/>
-            <a:ext cx="1758211" cy="1758211"/>
+            <a:off x="585251" y="2823602"/>
+            <a:ext cx="2217855" cy="1092173"/>
           </a:xfrm>
           <a:prstGeom prst="rect">
             <a:avLst/>
@@ -41574,11 +41573,11 @@
       </p:pic>
       <p:pic>
         <p:nvPicPr>
-          <p:cNvPr id="5" name="Picture 4" descr="A picture containing logo&#10;&#10;Description automatically generated">
+          <p:cNvPr id="20" name="Picture 19" descr="Text&#10;&#10;Description automatically generated with low confidence">
             <a:hlinkClick r:id="rId4"/>
             <a:extLst>
               <a:ext uri="{FF2B5EF4-FFF2-40B4-BE49-F238E27FC236}">
-                <a16:creationId xmlns:a16="http://schemas.microsoft.com/office/drawing/2014/main" id="{64405134-F300-4030-A7E2-0A23D4A4CC3F}"/>
+                <a16:creationId xmlns:a16="http://schemas.microsoft.com/office/drawing/2014/main" id="{04A6A894-8A9A-4E5B-88D1-24F9A2F84830}"/>
               </a:ext>
             </a:extLst>
           </p:cNvPr>
@@ -41601,8 +41600,8 @@
         </p:blipFill>
         <p:spPr>
           <a:xfrm>
-            <a:off x="3894736" y="2875650"/>
-            <a:ext cx="2659131" cy="1519503"/>
+            <a:off x="6480658" y="1068463"/>
+            <a:ext cx="2089504" cy="1639964"/>
           </a:xfrm>
           <a:prstGeom prst="rect">
             <a:avLst/>
@@ -41611,47 +41610,11 @@
       </p:pic>
       <p:pic>
         <p:nvPicPr>
-          <p:cNvPr id="6" name="Picture 5" descr="Graphical user interface, text, application&#10;&#10;Description automatically generated">
+          <p:cNvPr id="25" name="Picture 24" descr="Graphical user interface&#10;&#10;Description automatically generated with low confidence">
             <a:hlinkClick r:id="rId6"/>
             <a:extLst>
               <a:ext uri="{FF2B5EF4-FFF2-40B4-BE49-F238E27FC236}">
-                <a16:creationId xmlns:a16="http://schemas.microsoft.com/office/drawing/2014/main" id="{507BF898-91F4-4F65-8FE2-BDBF1AE584C5}"/>
-              </a:ext>
-            </a:extLst>
-          </p:cNvPr>
-          <p:cNvPicPr>
-            <a:picLocks noChangeAspect="1"/>
-          </p:cNvPicPr>
-          <p:nvPr/>
-        </p:nvPicPr>
-        <p:blipFill rotWithShape="1">
-          <a:blip r:embed="rId7">
-            <a:extLst>
-              <a:ext uri="{28A0092B-C50C-407E-A947-70E740481C1C}">
-                <a14:useLocalDpi xmlns:a14="http://schemas.microsoft.com/office/drawing/2010/main" val="0"/>
-              </a:ext>
-            </a:extLst>
-          </a:blip>
-          <a:srcRect t="7965" b="20467"/>
-          <a:stretch/>
-        </p:blipFill>
-        <p:spPr>
-          <a:xfrm>
-            <a:off x="3882697" y="5301550"/>
-            <a:ext cx="4173036" cy="1367329"/>
-          </a:xfrm>
-          <a:prstGeom prst="rect">
-            <a:avLst/>
-          </a:prstGeom>
-        </p:spPr>
-      </p:pic>
-      <p:pic>
-        <p:nvPicPr>
-          <p:cNvPr id="8" name="Picture 7" descr="Logo&#10;&#10;Description automatically generated">
-            <a:hlinkClick r:id="rId8"/>
-            <a:extLst>
-              <a:ext uri="{FF2B5EF4-FFF2-40B4-BE49-F238E27FC236}">
-                <a16:creationId xmlns:a16="http://schemas.microsoft.com/office/drawing/2014/main" id="{45B3249F-54BF-4353-828B-12C972B875CB}"/>
+                <a16:creationId xmlns:a16="http://schemas.microsoft.com/office/drawing/2014/main" id="{83257898-7623-4DC1-92DC-C5AD2AC74CFA}"/>
               </a:ext>
             </a:extLst>
           </p:cNvPr>
@@ -41661,7 +41624,7 @@
           <p:nvPr/>
         </p:nvPicPr>
         <p:blipFill>
-          <a:blip r:embed="rId9">
+          <a:blip r:embed="rId7">
             <a:extLst>
               <a:ext uri="{28A0092B-C50C-407E-A947-70E740481C1C}">
                 <a14:useLocalDpi xmlns:a14="http://schemas.microsoft.com/office/drawing/2010/main" val="0"/>
@@ -41674,8 +41637,8 @@
         </p:blipFill>
         <p:spPr>
           <a:xfrm>
-            <a:off x="293348" y="5253448"/>
-            <a:ext cx="3387314" cy="1408060"/>
+            <a:off x="9108517" y="1367878"/>
+            <a:ext cx="2045805" cy="2515334"/>
           </a:xfrm>
           <a:prstGeom prst="rect">
             <a:avLst/>
@@ -41684,11 +41647,47 @@
       </p:pic>
       <p:pic>
         <p:nvPicPr>
-          <p:cNvPr id="9" name="Picture 8" descr="Text&#10;&#10;Description automatically generated with low confidence">
+          <p:cNvPr id="27" name="Picture 26" descr="Logo&#10;&#10;Description automatically generated with low confidence">
+            <a:hlinkClick r:id="rId8"/>
+            <a:extLst>
+              <a:ext uri="{FF2B5EF4-FFF2-40B4-BE49-F238E27FC236}">
+                <a16:creationId xmlns:a16="http://schemas.microsoft.com/office/drawing/2014/main" id="{C179D76D-17E7-4F4E-9808-BBF903658DA6}"/>
+              </a:ext>
+            </a:extLst>
+          </p:cNvPr>
+          <p:cNvPicPr>
+            <a:picLocks noChangeAspect="1"/>
+          </p:cNvPicPr>
+          <p:nvPr/>
+        </p:nvPicPr>
+        <p:blipFill rotWithShape="1">
+          <a:blip r:embed="rId9">
+            <a:extLst>
+              <a:ext uri="{28A0092B-C50C-407E-A947-70E740481C1C}">
+                <a14:useLocalDpi xmlns:a14="http://schemas.microsoft.com/office/drawing/2010/main" val="0"/>
+              </a:ext>
+            </a:extLst>
+          </a:blip>
+          <a:srcRect l="3778" t="16985" r="2532" b="21422"/>
+          <a:stretch/>
+        </p:blipFill>
+        <p:spPr>
+          <a:xfrm>
+            <a:off x="3593620" y="3099687"/>
+            <a:ext cx="4455001" cy="540001"/>
+          </a:xfrm>
+          <a:prstGeom prst="rect">
+            <a:avLst/>
+          </a:prstGeom>
+        </p:spPr>
+      </p:pic>
+      <p:pic>
+        <p:nvPicPr>
+          <p:cNvPr id="30" name="Picture 29" descr="Logo&#10;&#10;Description automatically generated">
             <a:hlinkClick r:id="rId10"/>
             <a:extLst>
               <a:ext uri="{FF2B5EF4-FFF2-40B4-BE49-F238E27FC236}">
-                <a16:creationId xmlns:a16="http://schemas.microsoft.com/office/drawing/2014/main" id="{35138918-5300-4AE4-879C-1625A6FA9AD0}"/>
+                <a16:creationId xmlns:a16="http://schemas.microsoft.com/office/drawing/2014/main" id="{93F033DD-94F4-4599-9D64-B6A8BF46466B}"/>
               </a:ext>
             </a:extLst>
           </p:cNvPr>
@@ -41711,8 +41710,8 @@
         </p:blipFill>
         <p:spPr>
           <a:xfrm>
-            <a:off x="2406001" y="983404"/>
-            <a:ext cx="2953395" cy="2216326"/>
+            <a:off x="880991" y="1249982"/>
+            <a:ext cx="1824182" cy="1276927"/>
           </a:xfrm>
           <a:prstGeom prst="rect">
             <a:avLst/>
@@ -41721,11 +41720,11 @@
       </p:pic>
       <p:pic>
         <p:nvPicPr>
-          <p:cNvPr id="10" name="Picture 9" descr="Text, logo&#10;&#10;Description automatically generated">
+          <p:cNvPr id="22" name="Picture 21" descr="Text&#10;&#10;Description automatically generated with low confidence">
             <a:hlinkClick r:id="rId12"/>
             <a:extLst>
               <a:ext uri="{FF2B5EF4-FFF2-40B4-BE49-F238E27FC236}">
-                <a16:creationId xmlns:a16="http://schemas.microsoft.com/office/drawing/2014/main" id="{8C2C72FA-551E-4848-897A-ADE3CB2FA6A7}"/>
+                <a16:creationId xmlns:a16="http://schemas.microsoft.com/office/drawing/2014/main" id="{2D9A9160-CFB1-4198-B631-320EFBF99E2C}"/>
               </a:ext>
             </a:extLst>
           </p:cNvPr>
@@ -41735,7 +41734,7 @@
           <p:nvPr/>
         </p:nvPicPr>
         <p:blipFill>
-          <a:blip r:embed="rId13">
+          <a:blip r:embed="rId13" cstate="hqprint">
             <a:extLst>
               <a:ext uri="{28A0092B-C50C-407E-A947-70E740481C1C}">
                 <a14:useLocalDpi xmlns:a14="http://schemas.microsoft.com/office/drawing/2010/main" val="0"/>
@@ -41748,8 +41747,8 @@
         </p:blipFill>
         <p:spPr>
           <a:xfrm>
-            <a:off x="5648421" y="4137186"/>
-            <a:ext cx="3393105" cy="1156010"/>
+            <a:off x="3566029" y="1793140"/>
+            <a:ext cx="2376275" cy="535946"/>
           </a:xfrm>
           <a:prstGeom prst="rect">
             <a:avLst/>
@@ -41758,11 +41757,11 @@
       </p:pic>
       <p:pic>
         <p:nvPicPr>
-          <p:cNvPr id="11" name="Picture 10" descr="Logo&#10;&#10;Description automatically generated">
+          <p:cNvPr id="21" name="Picture 20" descr="Logo, company name&#10;&#10;Description automatically generated">
             <a:hlinkClick r:id="rId14"/>
             <a:extLst>
               <a:ext uri="{FF2B5EF4-FFF2-40B4-BE49-F238E27FC236}">
-                <a16:creationId xmlns:a16="http://schemas.microsoft.com/office/drawing/2014/main" id="{CE39ED70-FF59-475C-BBB5-94AFF55F7093}"/>
+                <a16:creationId xmlns:a16="http://schemas.microsoft.com/office/drawing/2014/main" id="{B2C7AFA4-B03B-4F90-BCF5-42B64D45FD93}"/>
               </a:ext>
             </a:extLst>
           </p:cNvPr>
@@ -41771,7 +41770,7 @@
           </p:cNvPicPr>
           <p:nvPr/>
         </p:nvPicPr>
-        <p:blipFill>
+        <p:blipFill rotWithShape="1">
           <a:blip r:embed="rId15">
             <a:extLst>
               <a:ext uri="{28A0092B-C50C-407E-A947-70E740481C1C}">
@@ -41779,14 +41778,13 @@
               </a:ext>
             </a:extLst>
           </a:blip>
-          <a:stretch>
-            <a:fillRect/>
-          </a:stretch>
+          <a:srcRect l="15754" t="27513" r="15212" b="31480"/>
+          <a:stretch/>
         </p:blipFill>
         <p:spPr>
           <a:xfrm>
-            <a:off x="430668" y="3363226"/>
-            <a:ext cx="2756894" cy="1490908"/>
+            <a:off x="877702" y="5756803"/>
+            <a:ext cx="1704391" cy="759297"/>
           </a:xfrm>
           <a:prstGeom prst="rect">
             <a:avLst/>
@@ -41795,11 +41793,11 @@
       </p:pic>
       <p:pic>
         <p:nvPicPr>
-          <p:cNvPr id="12" name="Picture 11" descr="Logo&#10;&#10;Description automatically generated">
+          <p:cNvPr id="28" name="Picture 27" descr="A picture containing logo&#10;&#10;Description automatically generated">
             <a:hlinkClick r:id="rId16"/>
             <a:extLst>
               <a:ext uri="{FF2B5EF4-FFF2-40B4-BE49-F238E27FC236}">
-                <a16:creationId xmlns:a16="http://schemas.microsoft.com/office/drawing/2014/main" id="{73811D35-BA35-44E3-AD5A-2AACE855CCD3}"/>
+                <a16:creationId xmlns:a16="http://schemas.microsoft.com/office/drawing/2014/main" id="{8D7EE580-66D1-490E-AB52-9AAD1973ADFA}"/>
               </a:ext>
             </a:extLst>
           </p:cNvPr>
@@ -41822,8 +41820,8 @@
         </p:blipFill>
         <p:spPr>
           <a:xfrm>
-            <a:off x="7473891" y="2725641"/>
-            <a:ext cx="3696057" cy="1367328"/>
+            <a:off x="877702" y="4261665"/>
+            <a:ext cx="1827471" cy="1092173"/>
           </a:xfrm>
           <a:prstGeom prst="rect">
             <a:avLst/>
@@ -41832,11 +41830,47 @@
       </p:pic>
       <p:pic>
         <p:nvPicPr>
-          <p:cNvPr id="13" name="Picture 12" descr="Shape&#10;&#10;Description automatically generated with medium confidence">
+          <p:cNvPr id="29" name="Picture 28" descr="Logo, company name&#10;&#10;Description automatically generated">
             <a:hlinkClick r:id="rId18"/>
             <a:extLst>
               <a:ext uri="{FF2B5EF4-FFF2-40B4-BE49-F238E27FC236}">
-                <a16:creationId xmlns:a16="http://schemas.microsoft.com/office/drawing/2014/main" id="{2A7DB228-8D59-4367-804C-D8790DA12115}"/>
+                <a16:creationId xmlns:a16="http://schemas.microsoft.com/office/drawing/2014/main" id="{D90A1DB9-C677-4980-898B-02F96A34874B}"/>
+              </a:ext>
+            </a:extLst>
+          </p:cNvPr>
+          <p:cNvPicPr>
+            <a:picLocks noChangeAspect="1"/>
+          </p:cNvPicPr>
+          <p:nvPr/>
+        </p:nvPicPr>
+        <p:blipFill rotWithShape="1">
+          <a:blip r:embed="rId19">
+            <a:extLst>
+              <a:ext uri="{28A0092B-C50C-407E-A947-70E740481C1C}">
+                <a14:useLocalDpi xmlns:a14="http://schemas.microsoft.com/office/drawing/2010/main" val="0"/>
+              </a:ext>
+            </a:extLst>
+          </a:blip>
+          <a:srcRect l="9355" t="30252" r="7839" b="28040"/>
+          <a:stretch/>
+        </p:blipFill>
+        <p:spPr>
+          <a:xfrm>
+            <a:off x="8454322" y="4248225"/>
+            <a:ext cx="2700000" cy="765000"/>
+          </a:xfrm>
+          <a:prstGeom prst="rect">
+            <a:avLst/>
+          </a:prstGeom>
+        </p:spPr>
+      </p:pic>
+      <p:pic>
+        <p:nvPicPr>
+          <p:cNvPr id="31" name="Picture 30" descr="Logo&#10;&#10;Description automatically generated">
+            <a:hlinkClick r:id="rId20"/>
+            <a:extLst>
+              <a:ext uri="{FF2B5EF4-FFF2-40B4-BE49-F238E27FC236}">
+                <a16:creationId xmlns:a16="http://schemas.microsoft.com/office/drawing/2014/main" id="{51539337-EA92-4DEC-B27C-1C96A708D318}"/>
               </a:ext>
             </a:extLst>
           </p:cNvPr>
@@ -41846,7 +41880,7 @@
           <p:nvPr/>
         </p:nvPicPr>
         <p:blipFill>
-          <a:blip r:embed="rId19">
+          <a:blip r:embed="rId21">
             <a:extLst>
               <a:ext uri="{28A0092B-C50C-407E-A947-70E740481C1C}">
                 <a14:useLocalDpi xmlns:a14="http://schemas.microsoft.com/office/drawing/2010/main" val="0"/>
@@ -41859,8 +41893,8 @@
         </p:blipFill>
         <p:spPr>
           <a:xfrm>
-            <a:off x="9185456" y="4644000"/>
-            <a:ext cx="2446935" cy="1658179"/>
+            <a:off x="3555611" y="4109323"/>
+            <a:ext cx="3711886" cy="1327171"/>
           </a:xfrm>
           <a:prstGeom prst="rect">
             <a:avLst/>
@@ -41869,11 +41903,11 @@
       </p:pic>
       <p:pic>
         <p:nvPicPr>
-          <p:cNvPr id="14" name="Picture 13">
-            <a:hlinkClick r:id="rId20"/>
+          <p:cNvPr id="32" name="Picture 31" descr="Logo&#10;&#10;Description automatically generated">
+            <a:hlinkClick r:id="rId22"/>
             <a:extLst>
               <a:ext uri="{FF2B5EF4-FFF2-40B4-BE49-F238E27FC236}">
-                <a16:creationId xmlns:a16="http://schemas.microsoft.com/office/drawing/2014/main" id="{7CC86C92-0BFC-4027-B5C9-A67CE050AFDA}"/>
+                <a16:creationId xmlns:a16="http://schemas.microsoft.com/office/drawing/2014/main" id="{F70938FD-B0F5-423E-8C2C-99B884B6B04A}"/>
               </a:ext>
             </a:extLst>
           </p:cNvPr>
@@ -41883,7 +41917,7 @@
           <p:nvPr/>
         </p:nvPicPr>
         <p:blipFill>
-          <a:blip r:embed="rId21" cstate="hqprint">
+          <a:blip r:embed="rId23">
             <a:extLst>
               <a:ext uri="{28A0092B-C50C-407E-A947-70E740481C1C}">
                 <a14:useLocalDpi xmlns:a14="http://schemas.microsoft.com/office/drawing/2010/main" val="0"/>
@@ -41896,8 +41930,8 @@
         </p:blipFill>
         <p:spPr>
           <a:xfrm>
-            <a:off x="5771352" y="1528909"/>
-            <a:ext cx="2485055" cy="1191906"/>
+            <a:off x="8454322" y="5499000"/>
+            <a:ext cx="2657856" cy="916485"/>
           </a:xfrm>
           <a:prstGeom prst="rect">
             <a:avLst/>
@@ -41906,11 +41940,11 @@
       </p:pic>
       <p:pic>
         <p:nvPicPr>
-          <p:cNvPr id="15" name="Picture 14" descr="Logo, company name&#10;&#10;Description automatically generated">
-            <a:hlinkClick r:id="rId22"/>
+          <p:cNvPr id="33" name="Picture 32" descr="A picture containing logo&#10;&#10;Description automatically generated">
+            <a:hlinkClick r:id="rId24"/>
             <a:extLst>
               <a:ext uri="{FF2B5EF4-FFF2-40B4-BE49-F238E27FC236}">
-                <a16:creationId xmlns:a16="http://schemas.microsoft.com/office/drawing/2014/main" id="{E3EFDAD9-ED94-4AC4-A7CF-C064DE74A22E}"/>
+                <a16:creationId xmlns:a16="http://schemas.microsoft.com/office/drawing/2014/main" id="{FFB981A5-A282-4429-A0A1-AD728C389669}"/>
               </a:ext>
             </a:extLst>
           </p:cNvPr>
@@ -41919,21 +41953,22 @@
           </p:cNvPicPr>
           <p:nvPr/>
         </p:nvPicPr>
-        <p:blipFill rotWithShape="1">
-          <a:blip r:embed="rId23">
+        <p:blipFill>
+          <a:blip r:embed="rId25" cstate="hqprint">
             <a:extLst>
               <a:ext uri="{28A0092B-C50C-407E-A947-70E740481C1C}">
                 <a14:useLocalDpi xmlns:a14="http://schemas.microsoft.com/office/drawing/2010/main" val="0"/>
               </a:ext>
             </a:extLst>
           </a:blip>
-          <a:srcRect l="5546" t="10220" r="4121" b="6578"/>
-          <a:stretch/>
+          <a:stretch>
+            <a:fillRect/>
+          </a:stretch>
         </p:blipFill>
         <p:spPr>
           <a:xfrm>
-            <a:off x="8668363" y="1224862"/>
-            <a:ext cx="3420000" cy="1800000"/>
+            <a:off x="4322500" y="5436494"/>
+            <a:ext cx="2391414" cy="1145517"/>
           </a:xfrm>
           <a:prstGeom prst="rect">
             <a:avLst/>
@@ -41943,7 +41978,7 @@
     </p:spTree>
     <p:extLst>
       <p:ext uri="{BB962C8B-B14F-4D97-AF65-F5344CB8AC3E}">
-        <p14:creationId xmlns:p14="http://schemas.microsoft.com/office/powerpoint/2010/main" val="1951359516"/>
+        <p14:creationId xmlns:p14="http://schemas.microsoft.com/office/powerpoint/2010/main" val="993903741"/>
       </p:ext>
     </p:extLst>
   </p:cSld>
